--- a/Manual da administração.pptx
+++ b/Manual da administração.pptx
@@ -18,6 +18,9 @@
   </p:sldIdLst>
   <p:sldSz cx="12188825" cy="6858000"/>
   <p:notesSz cx="6858000" cy="9144000"/>
+  <p:custDataLst>
+    <p:tags r:id="rId12"/>
+  </p:custDataLst>
   <p:defaultTextStyle>
     <a:defPPr>
       <a:defRPr lang="en-US"/>
@@ -603,7 +606,7 @@
           <a:p>
             <a:fld id="{5BCAD085-E8A6-8845-BD4E-CB4CCA059FC4}" type="datetimeFigureOut">
               <a:rPr lang="en-US" smtClean="0"/>
-              <a:t>9/15/2025</a:t>
+              <a:t>9/18/2025</a:t>
             </a:fld>
             <a:endParaRPr lang="en-US"/>
           </a:p>
@@ -645,7 +648,7 @@
           <a:p>
             <a:fld id="{C1FF6DA9-008F-8B48-92A6-B652298478BF}" type="slidenum">
               <a:rPr lang="en-US" smtClean="0"/>
-              <a:t>‹nº›</a:t>
+              <a:t>‹#›</a:t>
             </a:fld>
             <a:endParaRPr lang="en-US"/>
           </a:p>
@@ -771,7 +774,7 @@
           <a:p>
             <a:fld id="{5BCAD085-E8A6-8845-BD4E-CB4CCA059FC4}" type="datetimeFigureOut">
               <a:rPr lang="en-US" smtClean="0"/>
-              <a:t>9/15/2025</a:t>
+              <a:t>9/18/2025</a:t>
             </a:fld>
             <a:endParaRPr lang="en-US"/>
           </a:p>
@@ -813,7 +816,7 @@
           <a:p>
             <a:fld id="{C1FF6DA9-008F-8B48-92A6-B652298478BF}" type="slidenum">
               <a:rPr lang="en-US" smtClean="0"/>
-              <a:t>‹nº›</a:t>
+              <a:t>‹#›</a:t>
             </a:fld>
             <a:endParaRPr lang="en-US"/>
           </a:p>
@@ -949,7 +952,7 @@
           <a:p>
             <a:fld id="{5BCAD085-E8A6-8845-BD4E-CB4CCA059FC4}" type="datetimeFigureOut">
               <a:rPr lang="en-US" smtClean="0"/>
-              <a:t>9/15/2025</a:t>
+              <a:t>9/18/2025</a:t>
             </a:fld>
             <a:endParaRPr lang="en-US"/>
           </a:p>
@@ -991,7 +994,7 @@
           <a:p>
             <a:fld id="{C1FF6DA9-008F-8B48-92A6-B652298478BF}" type="slidenum">
               <a:rPr lang="en-US" smtClean="0"/>
-              <a:t>‹nº›</a:t>
+              <a:t>‹#›</a:t>
             </a:fld>
             <a:endParaRPr lang="en-US"/>
           </a:p>
@@ -1117,7 +1120,7 @@
           <a:p>
             <a:fld id="{5BCAD085-E8A6-8845-BD4E-CB4CCA059FC4}" type="datetimeFigureOut">
               <a:rPr lang="en-US" smtClean="0"/>
-              <a:t>9/15/2025</a:t>
+              <a:t>9/18/2025</a:t>
             </a:fld>
             <a:endParaRPr lang="en-US"/>
           </a:p>
@@ -1159,7 +1162,7 @@
           <a:p>
             <a:fld id="{C1FF6DA9-008F-8B48-92A6-B652298478BF}" type="slidenum">
               <a:rPr lang="en-US" smtClean="0"/>
-              <a:t>‹nº›</a:t>
+              <a:t>‹#›</a:t>
             </a:fld>
             <a:endParaRPr lang="en-US"/>
           </a:p>
@@ -1362,7 +1365,7 @@
           <a:p>
             <a:fld id="{5BCAD085-E8A6-8845-BD4E-CB4CCA059FC4}" type="datetimeFigureOut">
               <a:rPr lang="en-US" smtClean="0"/>
-              <a:t>9/15/2025</a:t>
+              <a:t>9/18/2025</a:t>
             </a:fld>
             <a:endParaRPr lang="en-US"/>
           </a:p>
@@ -1404,7 +1407,7 @@
           <a:p>
             <a:fld id="{C1FF6DA9-008F-8B48-92A6-B652298478BF}" type="slidenum">
               <a:rPr lang="en-US" smtClean="0"/>
-              <a:t>‹nº›</a:t>
+              <a:t>‹#›</a:t>
             </a:fld>
             <a:endParaRPr lang="en-US"/>
           </a:p>
@@ -1647,7 +1650,7 @@
           <a:p>
             <a:fld id="{5BCAD085-E8A6-8845-BD4E-CB4CCA059FC4}" type="datetimeFigureOut">
               <a:rPr lang="en-US" smtClean="0"/>
-              <a:t>9/15/2025</a:t>
+              <a:t>9/18/2025</a:t>
             </a:fld>
             <a:endParaRPr lang="en-US"/>
           </a:p>
@@ -1689,7 +1692,7 @@
           <a:p>
             <a:fld id="{C1FF6DA9-008F-8B48-92A6-B652298478BF}" type="slidenum">
               <a:rPr lang="en-US" smtClean="0"/>
-              <a:t>‹nº›</a:t>
+              <a:t>‹#›</a:t>
             </a:fld>
             <a:endParaRPr lang="en-US"/>
           </a:p>
@@ -2066,7 +2069,7 @@
           <a:p>
             <a:fld id="{5BCAD085-E8A6-8845-BD4E-CB4CCA059FC4}" type="datetimeFigureOut">
               <a:rPr lang="en-US" smtClean="0"/>
-              <a:t>9/15/2025</a:t>
+              <a:t>9/18/2025</a:t>
             </a:fld>
             <a:endParaRPr lang="en-US"/>
           </a:p>
@@ -2108,7 +2111,7 @@
           <a:p>
             <a:fld id="{C1FF6DA9-008F-8B48-92A6-B652298478BF}" type="slidenum">
               <a:rPr lang="en-US" smtClean="0"/>
-              <a:t>‹nº›</a:t>
+              <a:t>‹#›</a:t>
             </a:fld>
             <a:endParaRPr lang="en-US"/>
           </a:p>
@@ -2183,7 +2186,7 @@
           <a:p>
             <a:fld id="{5BCAD085-E8A6-8845-BD4E-CB4CCA059FC4}" type="datetimeFigureOut">
               <a:rPr lang="en-US" smtClean="0"/>
-              <a:t>9/15/2025</a:t>
+              <a:t>9/18/2025</a:t>
             </a:fld>
             <a:endParaRPr lang="en-US"/>
           </a:p>
@@ -2225,7 +2228,7 @@
           <a:p>
             <a:fld id="{C1FF6DA9-008F-8B48-92A6-B652298478BF}" type="slidenum">
               <a:rPr lang="en-US" smtClean="0"/>
-              <a:t>‹nº›</a:t>
+              <a:t>‹#›</a:t>
             </a:fld>
             <a:endParaRPr lang="en-US"/>
           </a:p>
@@ -2278,7 +2281,7 @@
           <a:p>
             <a:fld id="{5BCAD085-E8A6-8845-BD4E-CB4CCA059FC4}" type="datetimeFigureOut">
               <a:rPr lang="en-US" smtClean="0"/>
-              <a:t>9/15/2025</a:t>
+              <a:t>9/18/2025</a:t>
             </a:fld>
             <a:endParaRPr lang="en-US"/>
           </a:p>
@@ -2320,7 +2323,7 @@
           <a:p>
             <a:fld id="{C1FF6DA9-008F-8B48-92A6-B652298478BF}" type="slidenum">
               <a:rPr lang="en-US" smtClean="0"/>
-              <a:t>‹nº›</a:t>
+              <a:t>‹#›</a:t>
             </a:fld>
             <a:endParaRPr lang="en-US"/>
           </a:p>
@@ -2553,7 +2556,7 @@
           <a:p>
             <a:fld id="{5BCAD085-E8A6-8845-BD4E-CB4CCA059FC4}" type="datetimeFigureOut">
               <a:rPr lang="en-US" smtClean="0"/>
-              <a:t>9/15/2025</a:t>
+              <a:t>9/18/2025</a:t>
             </a:fld>
             <a:endParaRPr lang="en-US"/>
           </a:p>
@@ -2595,7 +2598,7 @@
           <a:p>
             <a:fld id="{C1FF6DA9-008F-8B48-92A6-B652298478BF}" type="slidenum">
               <a:rPr lang="en-US" smtClean="0"/>
-              <a:t>‹nº›</a:t>
+              <a:t>‹#›</a:t>
             </a:fld>
             <a:endParaRPr lang="en-US"/>
           </a:p>
@@ -2805,7 +2808,7 @@
           <a:p>
             <a:fld id="{5BCAD085-E8A6-8845-BD4E-CB4CCA059FC4}" type="datetimeFigureOut">
               <a:rPr lang="en-US" smtClean="0"/>
-              <a:t>9/15/2025</a:t>
+              <a:t>9/18/2025</a:t>
             </a:fld>
             <a:endParaRPr lang="en-US"/>
           </a:p>
@@ -2847,7 +2850,7 @@
           <a:p>
             <a:fld id="{C1FF6DA9-008F-8B48-92A6-B652298478BF}" type="slidenum">
               <a:rPr lang="en-US" smtClean="0"/>
-              <a:t>‹nº›</a:t>
+              <a:t>‹#›</a:t>
             </a:fld>
             <a:endParaRPr lang="en-US"/>
           </a:p>
@@ -3016,7 +3019,7 @@
           <a:p>
             <a:fld id="{5BCAD085-E8A6-8845-BD4E-CB4CCA059FC4}" type="datetimeFigureOut">
               <a:rPr lang="en-US" smtClean="0"/>
-              <a:t>9/15/2025</a:t>
+              <a:t>9/18/2025</a:t>
             </a:fld>
             <a:endParaRPr lang="en-US"/>
           </a:p>
@@ -3094,7 +3097,7 @@
           <a:p>
             <a:fld id="{C1FF6DA9-008F-8B48-92A6-B652298478BF}" type="slidenum">
               <a:rPr lang="en-US" smtClean="0"/>
-              <a:t>‹nº›</a:t>
+              <a:t>‹#›</a:t>
             </a:fld>
             <a:endParaRPr lang="en-US"/>
           </a:p>
@@ -6192,6 +6195,13 @@
     <a:masterClrMapping/>
   </p:clrMapOvr>
 </p:sld>
+</file>
+
+<file path=ppt/tags/tag1.xml><?xml version="1.0" encoding="utf-8"?>
+<p:tagLst xmlns:a="http://schemas.openxmlformats.org/drawingml/2006/main" xmlns:r="http://schemas.openxmlformats.org/officeDocument/2006/relationships" xmlns:p="http://schemas.openxmlformats.org/presentationml/2006/main">
+  <p:tag name="EXCLUDEHIDDENSLIDES" val="False"/>
+  <p:tag name="NUMBEROFPAGES" val="10"/>
+</p:tagLst>
 </file>
 
 <file path=ppt/theme/theme1.xml><?xml version="1.0" encoding="utf-8"?>
@@ -6512,4 +6522,10 @@
   </a:objectDefaults>
   <a:extraClrSchemeLst/>
 </a:theme>
+</file>
+
+<file path=docMetadata/LabelInfo.xml><?xml version="1.0" encoding="utf-8"?>
+<clbl:labelList xmlns:clbl="http://schemas.microsoft.com/office/2020/mipLabelMetadata">
+  <clbl:label id="{3741da7a-79c1-417c-b408-16c0bfe99fca}" enabled="1" method="Standard" siteId="{1e355c04-e0a4-42ed-8e2d-7351591f0ef1}" contentBits="0" removed="0"/>
+</clbl:labelList>
 </file>